--- a/presentations/source/15-Conclusions.pptx
+++ b/presentations/source/15-Conclusions.pptx
@@ -213,7 +213,7 @@
             <a:fld id="{7307762F-A706-E543-A832-3C298AA3103F}" type="datetimeFigureOut">
               <a:rPr lang="en-US" smtClean="0"/>
               <a:pPr/>
-              <a:t>13/12/2012</a:t>
+              <a:t>18/12/2012</a:t>
             </a:fld>
             <a:endParaRPr lang="en-US" dirty="0"/>
           </a:p>
@@ -780,7 +780,7 @@
           <a:p>
             <a:fld id="{875CF0EB-321F-0749-B37A-89BBA859503C}" type="datetimeFigureOut">
               <a:rPr lang="en-US" smtClean="0"/>
-              <a:t>13/12/2012</a:t>
+              <a:t>18/12/2012</a:t>
             </a:fld>
             <a:endParaRPr lang="en-US"/>
           </a:p>
@@ -984,7 +984,7 @@
           <a:p>
             <a:fld id="{875CF0EB-321F-0749-B37A-89BBA859503C}" type="datetimeFigureOut">
               <a:rPr lang="en-US" smtClean="0"/>
-              <a:t>13/12/2012</a:t>
+              <a:t>18/12/2012</a:t>
             </a:fld>
             <a:endParaRPr lang="en-US"/>
           </a:p>
@@ -1178,7 +1178,7 @@
           <a:p>
             <a:fld id="{875CF0EB-321F-0749-B37A-89BBA859503C}" type="datetimeFigureOut">
               <a:rPr lang="en-US" smtClean="0"/>
-              <a:t>13/12/2012</a:t>
+              <a:t>18/12/2012</a:t>
             </a:fld>
             <a:endParaRPr lang="en-US"/>
           </a:p>
@@ -1448,7 +1448,7 @@
           <a:p>
             <a:fld id="{875CF0EB-321F-0749-B37A-89BBA859503C}" type="datetimeFigureOut">
               <a:rPr lang="en-US" smtClean="0"/>
-              <a:t>13/12/2012</a:t>
+              <a:t>18/12/2012</a:t>
             </a:fld>
             <a:endParaRPr lang="en-US"/>
           </a:p>
@@ -1760,7 +1760,7 @@
           <a:p>
             <a:fld id="{875CF0EB-321F-0749-B37A-89BBA859503C}" type="datetimeFigureOut">
               <a:rPr lang="en-US" smtClean="0"/>
-              <a:t>13/12/2012</a:t>
+              <a:t>18/12/2012</a:t>
             </a:fld>
             <a:endParaRPr lang="en-US"/>
           </a:p>
@@ -2206,7 +2206,7 @@
           <a:p>
             <a:fld id="{875CF0EB-321F-0749-B37A-89BBA859503C}" type="datetimeFigureOut">
               <a:rPr lang="en-US" smtClean="0"/>
-              <a:t>13/12/2012</a:t>
+              <a:t>18/12/2012</a:t>
             </a:fld>
             <a:endParaRPr lang="en-US"/>
           </a:p>
@@ -2348,7 +2348,7 @@
           <a:p>
             <a:fld id="{875CF0EB-321F-0749-B37A-89BBA859503C}" type="datetimeFigureOut">
               <a:rPr lang="en-US" smtClean="0"/>
-              <a:t>13/12/2012</a:t>
+              <a:t>18/12/2012</a:t>
             </a:fld>
             <a:endParaRPr lang="en-US"/>
           </a:p>
@@ -2467,7 +2467,7 @@
           <a:p>
             <a:fld id="{875CF0EB-321F-0749-B37A-89BBA859503C}" type="datetimeFigureOut">
               <a:rPr lang="en-US" smtClean="0"/>
-              <a:t>13/12/2012</a:t>
+              <a:t>18/12/2012</a:t>
             </a:fld>
             <a:endParaRPr lang="en-US"/>
           </a:p>
@@ -2768,7 +2768,7 @@
           <a:p>
             <a:fld id="{875CF0EB-321F-0749-B37A-89BBA859503C}" type="datetimeFigureOut">
               <a:rPr lang="en-US" smtClean="0"/>
-              <a:t>13/12/2012</a:t>
+              <a:t>18/12/2012</a:t>
             </a:fld>
             <a:endParaRPr lang="en-US"/>
           </a:p>
@@ -3045,7 +3045,7 @@
           <a:p>
             <a:fld id="{875CF0EB-321F-0749-B37A-89BBA859503C}" type="datetimeFigureOut">
               <a:rPr lang="en-US" smtClean="0"/>
-              <a:t>13/12/2012</a:t>
+              <a:t>18/12/2012</a:t>
             </a:fld>
             <a:endParaRPr lang="en-US"/>
           </a:p>
@@ -3867,6 +3867,33 @@
         <p:txBody>
           <a:bodyPr/>
           <a:lstStyle/>
+          <a:p>
+            <a:r>
+              <a:rPr lang="en-US" dirty="0">
+                <a:ea typeface="ヒラギノ角ゴ ProN W3" charset="0"/>
+                <a:cs typeface="ヒラギノ角ゴ ProN W3" charset="0"/>
+              </a:rPr>
+              <a:t>Oxford University </a:t>
+            </a:r>
+          </a:p>
+          <a:p>
+            <a:r>
+              <a:rPr lang="en-US" dirty="0">
+                <a:ea typeface="ヒラギノ角ゴ ProN W3" charset="0"/>
+                <a:cs typeface="ヒラギノ角ゴ ProN W3" charset="0"/>
+              </a:rPr>
+              <a:t>Software Engineering Programme</a:t>
+            </a:r>
+          </a:p>
+          <a:p>
+            <a:r>
+              <a:rPr lang="en-US">
+                <a:ea typeface="ヒラギノ角ゴ ProN W3" charset="0"/>
+                <a:cs typeface="ヒラギノ角ゴ ProN W3" charset="0"/>
+              </a:rPr>
+              <a:t>Dec 2012</a:t>
+            </a:r>
+          </a:p>
           <a:p>
             <a:endParaRPr lang="en-US"/>
           </a:p>

--- a/presentations/source/15-Conclusions.pptx
+++ b/presentations/source/15-Conclusions.pptx
@@ -5,7 +5,7 @@
     <p:sldMasterId id="2147483648" r:id="rId1"/>
   </p:sldMasterIdLst>
   <p:notesMasterIdLst>
-    <p:notesMasterId r:id="rId19"/>
+    <p:notesMasterId r:id="rId21"/>
   </p:notesMasterIdLst>
   <p:sldIdLst>
     <p:sldId id="256" r:id="rId2"/>
@@ -15,16 +15,18 @@
     <p:sldId id="261" r:id="rId6"/>
     <p:sldId id="262" r:id="rId7"/>
     <p:sldId id="267" r:id="rId8"/>
-    <p:sldId id="263" r:id="rId9"/>
-    <p:sldId id="264" r:id="rId10"/>
-    <p:sldId id="265" r:id="rId11"/>
-    <p:sldId id="266" r:id="rId12"/>
-    <p:sldId id="268" r:id="rId13"/>
-    <p:sldId id="269" r:id="rId14"/>
-    <p:sldId id="270" r:id="rId15"/>
-    <p:sldId id="271" r:id="rId16"/>
-    <p:sldId id="272" r:id="rId17"/>
-    <p:sldId id="273" r:id="rId18"/>
+    <p:sldId id="275" r:id="rId9"/>
+    <p:sldId id="263" r:id="rId10"/>
+    <p:sldId id="264" r:id="rId11"/>
+    <p:sldId id="265" r:id="rId12"/>
+    <p:sldId id="266" r:id="rId13"/>
+    <p:sldId id="268" r:id="rId14"/>
+    <p:sldId id="269" r:id="rId15"/>
+    <p:sldId id="270" r:id="rId16"/>
+    <p:sldId id="274" r:id="rId17"/>
+    <p:sldId id="271" r:id="rId18"/>
+    <p:sldId id="272" r:id="rId19"/>
+    <p:sldId id="273" r:id="rId20"/>
   </p:sldIdLst>
   <p:sldSz cx="9144000" cy="6858000" type="screen4x3"/>
   <p:notesSz cx="6858000" cy="9144000"/>
@@ -213,7 +215,7 @@
             <a:fld id="{7307762F-A706-E543-A832-3C298AA3103F}" type="datetimeFigureOut">
               <a:rPr lang="en-US" smtClean="0"/>
               <a:pPr/>
-              <a:t>18/12/2012</a:t>
+              <a:t>11/27/13</a:t>
             </a:fld>
             <a:endParaRPr lang="en-US" dirty="0"/>
           </a:p>
@@ -780,7 +782,7 @@
           <a:p>
             <a:fld id="{875CF0EB-321F-0749-B37A-89BBA859503C}" type="datetimeFigureOut">
               <a:rPr lang="en-US" smtClean="0"/>
-              <a:t>18/12/2012</a:t>
+              <a:t>11/27/13</a:t>
             </a:fld>
             <a:endParaRPr lang="en-US"/>
           </a:p>
@@ -984,7 +986,7 @@
           <a:p>
             <a:fld id="{875CF0EB-321F-0749-B37A-89BBA859503C}" type="datetimeFigureOut">
               <a:rPr lang="en-US" smtClean="0"/>
-              <a:t>18/12/2012</a:t>
+              <a:t>11/27/13</a:t>
             </a:fld>
             <a:endParaRPr lang="en-US"/>
           </a:p>
@@ -1178,7 +1180,7 @@
           <a:p>
             <a:fld id="{875CF0EB-321F-0749-B37A-89BBA859503C}" type="datetimeFigureOut">
               <a:rPr lang="en-US" smtClean="0"/>
-              <a:t>18/12/2012</a:t>
+              <a:t>11/27/13</a:t>
             </a:fld>
             <a:endParaRPr lang="en-US"/>
           </a:p>
@@ -1448,7 +1450,7 @@
           <a:p>
             <a:fld id="{875CF0EB-321F-0749-B37A-89BBA859503C}" type="datetimeFigureOut">
               <a:rPr lang="en-US" smtClean="0"/>
-              <a:t>18/12/2012</a:t>
+              <a:t>11/27/13</a:t>
             </a:fld>
             <a:endParaRPr lang="en-US"/>
           </a:p>
@@ -1760,7 +1762,7 @@
           <a:p>
             <a:fld id="{875CF0EB-321F-0749-B37A-89BBA859503C}" type="datetimeFigureOut">
               <a:rPr lang="en-US" smtClean="0"/>
-              <a:t>18/12/2012</a:t>
+              <a:t>11/27/13</a:t>
             </a:fld>
             <a:endParaRPr lang="en-US"/>
           </a:p>
@@ -2206,7 +2208,7 @@
           <a:p>
             <a:fld id="{875CF0EB-321F-0749-B37A-89BBA859503C}" type="datetimeFigureOut">
               <a:rPr lang="en-US" smtClean="0"/>
-              <a:t>18/12/2012</a:t>
+              <a:t>11/27/13</a:t>
             </a:fld>
             <a:endParaRPr lang="en-US"/>
           </a:p>
@@ -2348,7 +2350,7 @@
           <a:p>
             <a:fld id="{875CF0EB-321F-0749-B37A-89BBA859503C}" type="datetimeFigureOut">
               <a:rPr lang="en-US" smtClean="0"/>
-              <a:t>18/12/2012</a:t>
+              <a:t>11/27/13</a:t>
             </a:fld>
             <a:endParaRPr lang="en-US"/>
           </a:p>
@@ -2467,7 +2469,7 @@
           <a:p>
             <a:fld id="{875CF0EB-321F-0749-B37A-89BBA859503C}" type="datetimeFigureOut">
               <a:rPr lang="en-US" smtClean="0"/>
-              <a:t>18/12/2012</a:t>
+              <a:t>11/27/13</a:t>
             </a:fld>
             <a:endParaRPr lang="en-US"/>
           </a:p>
@@ -2768,7 +2770,7 @@
           <a:p>
             <a:fld id="{875CF0EB-321F-0749-B37A-89BBA859503C}" type="datetimeFigureOut">
               <a:rPr lang="en-US" smtClean="0"/>
-              <a:t>18/12/2012</a:t>
+              <a:t>11/27/13</a:t>
             </a:fld>
             <a:endParaRPr lang="en-US"/>
           </a:p>
@@ -3045,7 +3047,7 @@
           <a:p>
             <a:fld id="{875CF0EB-321F-0749-B37A-89BBA859503C}" type="datetimeFigureOut">
               <a:rPr lang="en-US" smtClean="0"/>
-              <a:t>18/12/2012</a:t>
+              <a:t>11/27/13</a:t>
             </a:fld>
             <a:endParaRPr lang="en-US"/>
           </a:p>
@@ -3891,11 +3893,22 @@
                 <a:ea typeface="ヒラギノ角ゴ ProN W3" charset="0"/>
                 <a:cs typeface="ヒラギノ角ゴ ProN W3" charset="0"/>
               </a:rPr>
-              <a:t>Dec 2012</a:t>
-            </a:r>
-          </a:p>
-          <a:p>
-            <a:endParaRPr lang="en-US"/>
+              <a:t>Dec </a:t>
+            </a:r>
+            <a:r>
+              <a:rPr lang="en-US" smtClean="0">
+                <a:ea typeface="ヒラギノ角ゴ ProN W3" charset="0"/>
+                <a:cs typeface="ヒラギノ角ゴ ProN W3" charset="0"/>
+              </a:rPr>
+              <a:t>2013</a:t>
+            </a:r>
+            <a:endParaRPr lang="en-US">
+              <a:ea typeface="ヒラギノ角ゴ ProN W3" charset="0"/>
+              <a:cs typeface="ヒラギノ角ゴ ProN W3" charset="0"/>
+            </a:endParaRPr>
+          </a:p>
+          <a:p>
+            <a:endParaRPr lang="en-US" dirty="0"/>
           </a:p>
         </p:txBody>
       </p:sp>
@@ -3953,15 +3966,7 @@
           <a:p>
             <a:r>
               <a:rPr lang="en-US" dirty="0" smtClean="0"/>
-              <a:t>Services </a:t>
-            </a:r>
-            <a:r>
-              <a:rPr lang="en-US" dirty="0" err="1" smtClean="0"/>
-              <a:t>vs</a:t>
-            </a:r>
-            <a:r>
-              <a:rPr lang="en-US" dirty="0" smtClean="0"/>
-              <a:t> APIs</a:t>
+              <a:t>Runtime Governance</a:t>
             </a:r>
             <a:endParaRPr lang="en-US" dirty="0"/>
           </a:p>
@@ -3984,39 +3989,23 @@
           <a:p>
             <a:r>
               <a:rPr lang="en-US" dirty="0" smtClean="0"/>
-              <a:t>Focus on the consumer</a:t>
-            </a:r>
-          </a:p>
-          <a:p>
-            <a:pPr lvl="1"/>
-            <a:r>
-              <a:rPr lang="en-US" dirty="0" smtClean="0"/>
-              <a:t>Self-signup and subscription</a:t>
-            </a:r>
-          </a:p>
-          <a:p>
-            <a:pPr lvl="1"/>
-            <a:r>
-              <a:rPr lang="en-US" dirty="0" smtClean="0"/>
-              <a:t>Tracking and usage</a:t>
-            </a:r>
-          </a:p>
-          <a:p>
-            <a:pPr lvl="1"/>
-            <a:r>
-              <a:rPr lang="en-US" dirty="0" smtClean="0"/>
-              <a:t>Developer portals and ease-of-use</a:t>
-            </a:r>
-          </a:p>
-          <a:p>
-            <a:pPr lvl="1"/>
-            <a:r>
-              <a:rPr lang="en-US" dirty="0" smtClean="0"/>
-              <a:t>Monetization</a:t>
-            </a:r>
-          </a:p>
-          <a:p>
-            <a:pPr marL="457200" lvl="1" indent="0">
+              <a:t>Monitoring</a:t>
+            </a:r>
+          </a:p>
+          <a:p>
+            <a:r>
+              <a:rPr lang="en-US" dirty="0" smtClean="0"/>
+              <a:t>SLA management</a:t>
+            </a:r>
+          </a:p>
+          <a:p>
+            <a:r>
+              <a:rPr lang="en-US" dirty="0" smtClean="0"/>
+              <a:t>Correlation of activities into flows</a:t>
+            </a:r>
+          </a:p>
+          <a:p>
+            <a:pPr marL="0" indent="0">
               <a:buNone/>
             </a:pPr>
             <a:endParaRPr lang="en-US" dirty="0"/>
@@ -4026,7 +4015,7 @@
     </p:spTree>
     <p:extLst>
       <p:ext uri="{BB962C8B-B14F-4D97-AF65-F5344CB8AC3E}">
-        <p14:creationId xmlns:p14="http://schemas.microsoft.com/office/powerpoint/2010/main" val="885734421"/>
+        <p14:creationId xmlns:p14="http://schemas.microsoft.com/office/powerpoint/2010/main" val="4187341838"/>
       </p:ext>
     </p:extLst>
   </p:cSld>
@@ -4070,71 +4059,7 @@
           <a:p>
             <a:r>
               <a:rPr lang="en-US" dirty="0" smtClean="0"/>
-              <a:t>ESBs and Intermediaries</a:t>
-            </a:r>
-            <a:endParaRPr lang="en-US" dirty="0"/>
-          </a:p>
-        </p:txBody>
-      </p:sp>
-      <p:sp>
-        <p:nvSpPr>
-          <p:cNvPr id="3" name="Content Placeholder 2"/>
-          <p:cNvSpPr>
-            <a:spLocks noGrp="1"/>
-          </p:cNvSpPr>
-          <p:nvPr>
-            <p:ph idx="1"/>
-          </p:nvPr>
-        </p:nvSpPr>
-        <p:spPr/>
-        <p:txBody>
-          <a:bodyPr/>
-          <a:lstStyle/>
-          <a:p>
-            <a:r>
-              <a:rPr lang="en-US" dirty="0" smtClean="0"/>
-              <a:t>ESB Patterns</a:t>
-            </a:r>
-          </a:p>
-          <a:p>
-            <a:pPr lvl="1"/>
-            <a:r>
-              <a:rPr lang="en-US" dirty="0" smtClean="0"/>
-              <a:t>Façade </a:t>
-            </a:r>
-          </a:p>
-          <a:p>
-            <a:pPr lvl="1"/>
-            <a:r>
-              <a:rPr lang="en-US" dirty="0" smtClean="0"/>
-              <a:t>Hub</a:t>
-            </a:r>
-          </a:p>
-          <a:p>
-            <a:pPr lvl="1"/>
-            <a:r>
-              <a:rPr lang="en-US" dirty="0" smtClean="0"/>
-              <a:t>Federated </a:t>
-            </a:r>
-          </a:p>
-          <a:p>
-            <a:pPr lvl="1"/>
-            <a:r>
-              <a:rPr lang="en-US" dirty="0" smtClean="0"/>
-              <a:t>Monitoring point</a:t>
-            </a:r>
-          </a:p>
-          <a:p>
-            <a:pPr lvl="1"/>
-            <a:r>
-              <a:rPr lang="en-US" dirty="0" smtClean="0"/>
-              <a:t>Transformation</a:t>
-            </a:r>
-          </a:p>
-          <a:p>
-            <a:r>
-              <a:rPr lang="en-US" dirty="0" smtClean="0"/>
-              <a:t>ESB </a:t>
+              <a:t>Services </a:t>
             </a:r>
             <a:r>
               <a:rPr lang="en-US" dirty="0" err="1" smtClean="0"/>
@@ -4142,10 +4067,64 @@
             </a:r>
             <a:r>
               <a:rPr lang="en-US" dirty="0" smtClean="0"/>
-              <a:t> Registry or both?</a:t>
-            </a:r>
-          </a:p>
-          <a:p>
+              <a:t> APIs</a:t>
+            </a:r>
+            <a:endParaRPr lang="en-US" dirty="0"/>
+          </a:p>
+        </p:txBody>
+      </p:sp>
+      <p:sp>
+        <p:nvSpPr>
+          <p:cNvPr id="3" name="Content Placeholder 2"/>
+          <p:cNvSpPr>
+            <a:spLocks noGrp="1"/>
+          </p:cNvSpPr>
+          <p:nvPr>
+            <p:ph idx="1"/>
+          </p:nvPr>
+        </p:nvSpPr>
+        <p:spPr/>
+        <p:txBody>
+          <a:bodyPr/>
+          <a:lstStyle/>
+          <a:p>
+            <a:r>
+              <a:rPr lang="en-US" dirty="0" smtClean="0"/>
+              <a:t>Focus on the consumer</a:t>
+            </a:r>
+          </a:p>
+          <a:p>
+            <a:pPr lvl="1"/>
+            <a:r>
+              <a:rPr lang="en-US" dirty="0" smtClean="0"/>
+              <a:t>Self-signup and subscription</a:t>
+            </a:r>
+          </a:p>
+          <a:p>
+            <a:pPr lvl="1"/>
+            <a:r>
+              <a:rPr lang="en-US" dirty="0" smtClean="0"/>
+              <a:t>Tracking and usage</a:t>
+            </a:r>
+          </a:p>
+          <a:p>
+            <a:pPr lvl="1"/>
+            <a:r>
+              <a:rPr lang="en-US" dirty="0" smtClean="0"/>
+              <a:t>Developer portals and ease-of-use</a:t>
+            </a:r>
+          </a:p>
+          <a:p>
+            <a:pPr lvl="1"/>
+            <a:r>
+              <a:rPr lang="en-US" dirty="0" smtClean="0"/>
+              <a:t>Monetization</a:t>
+            </a:r>
+          </a:p>
+          <a:p>
+            <a:pPr marL="457200" lvl="1" indent="0">
+              <a:buNone/>
+            </a:pPr>
             <a:endParaRPr lang="en-US" dirty="0"/>
           </a:p>
         </p:txBody>
@@ -4153,7 +4132,7 @@
     </p:spTree>
     <p:extLst>
       <p:ext uri="{BB962C8B-B14F-4D97-AF65-F5344CB8AC3E}">
-        <p14:creationId xmlns:p14="http://schemas.microsoft.com/office/powerpoint/2010/main" val="2523090467"/>
+        <p14:creationId xmlns:p14="http://schemas.microsoft.com/office/powerpoint/2010/main" val="885734421"/>
       </p:ext>
     </p:extLst>
   </p:cSld>
@@ -4197,7 +4176,7 @@
           <a:p>
             <a:r>
               <a:rPr lang="en-US" dirty="0" smtClean="0"/>
-              <a:t>Orchestration and Composition</a:t>
+              <a:t>ESBs and Intermediaries</a:t>
             </a:r>
             <a:endParaRPr lang="en-US" dirty="0"/>
           </a:p>
@@ -4220,33 +4199,67 @@
           <a:p>
             <a:r>
               <a:rPr lang="en-US" dirty="0" smtClean="0"/>
-              <a:t>BPMN, BPEL</a:t>
-            </a:r>
-          </a:p>
-          <a:p>
-            <a:r>
-              <a:rPr lang="en-US" dirty="0" smtClean="0"/>
-              <a:t>Executable Documentation?</a:t>
-            </a:r>
-          </a:p>
-          <a:p>
-            <a:r>
-              <a:rPr lang="en-US" dirty="0" smtClean="0"/>
-              <a:t>Visibility and Monitoring</a:t>
-            </a:r>
-          </a:p>
-          <a:p>
-            <a:pPr marL="0" indent="0">
-              <a:buNone/>
-            </a:pPr>
-            <a:endParaRPr lang="en-US" dirty="0" smtClean="0"/>
+              <a:t>ESB Patterns</a:t>
+            </a:r>
+          </a:p>
+          <a:p>
+            <a:pPr lvl="1"/>
+            <a:r>
+              <a:rPr lang="en-US" dirty="0" smtClean="0"/>
+              <a:t>Façade </a:t>
+            </a:r>
+          </a:p>
+          <a:p>
+            <a:pPr lvl="1"/>
+            <a:r>
+              <a:rPr lang="en-US" dirty="0" smtClean="0"/>
+              <a:t>Hub</a:t>
+            </a:r>
+          </a:p>
+          <a:p>
+            <a:pPr lvl="1"/>
+            <a:r>
+              <a:rPr lang="en-US" dirty="0" smtClean="0"/>
+              <a:t>Federated </a:t>
+            </a:r>
+          </a:p>
+          <a:p>
+            <a:pPr lvl="1"/>
+            <a:r>
+              <a:rPr lang="en-US" dirty="0" smtClean="0"/>
+              <a:t>Monitoring point</a:t>
+            </a:r>
+          </a:p>
+          <a:p>
+            <a:pPr lvl="1"/>
+            <a:r>
+              <a:rPr lang="en-US" dirty="0" smtClean="0"/>
+              <a:t>Transformation</a:t>
+            </a:r>
+          </a:p>
+          <a:p>
+            <a:r>
+              <a:rPr lang="en-US" dirty="0" smtClean="0"/>
+              <a:t>ESB </a:t>
+            </a:r>
+            <a:r>
+              <a:rPr lang="en-US" dirty="0" err="1" smtClean="0"/>
+              <a:t>vs</a:t>
+            </a:r>
+            <a:r>
+              <a:rPr lang="en-US" dirty="0" smtClean="0"/>
+              <a:t> Registry or both?</a:t>
+            </a:r>
+          </a:p>
+          <a:p>
+            <a:endParaRPr lang="en-US" dirty="0"/>
           </a:p>
         </p:txBody>
       </p:sp>
     </p:spTree>
     <p:extLst>
       <p:ext uri="{BB962C8B-B14F-4D97-AF65-F5344CB8AC3E}">
-        <p14:creationId xmlns:p14="http://schemas.microsoft.com/office/powerpoint/2010/main" val="2763581670"/>
+        <p14:creationId xmlns:p14="http://schemas.microsoft.com/office/powerpoint/2010/main" val="2523090467"/>
       </p:ext>
     </p:extLst>
   </p:cSld>
@@ -4290,7 +4303,7 @@
           <a:p>
             <a:r>
               <a:rPr lang="en-US" dirty="0" smtClean="0"/>
-              <a:t>Design Considerations</a:t>
+              <a:t>Orchestration and Composition</a:t>
             </a:r>
             <a:endParaRPr lang="en-US" dirty="0"/>
           </a:p>
@@ -4308,83 +4321,38 @@
         </p:nvSpPr>
         <p:spPr/>
         <p:txBody>
-          <a:bodyPr>
-            <a:normAutofit fontScale="85000" lnSpcReduction="10000"/>
-          </a:bodyPr>
-          <a:lstStyle/>
-          <a:p>
-            <a:r>
-              <a:rPr lang="en-US" dirty="0" smtClean="0"/>
-              <a:t>Granularity of Services</a:t>
-            </a:r>
-          </a:p>
-          <a:p>
-            <a:r>
-              <a:rPr lang="en-US" dirty="0" smtClean="0"/>
-              <a:t>Ensuring that SOA is being used for a good reason:</a:t>
-            </a:r>
-          </a:p>
-          <a:p>
-            <a:pPr lvl="1"/>
-            <a:r>
-              <a:rPr lang="en-US" dirty="0" smtClean="0"/>
-              <a:t>Scale</a:t>
-            </a:r>
-          </a:p>
-          <a:p>
-            <a:pPr lvl="1"/>
-            <a:r>
-              <a:rPr lang="en-US" dirty="0" smtClean="0"/>
-              <a:t>Organizational boundaries</a:t>
-            </a:r>
-          </a:p>
-          <a:p>
-            <a:pPr lvl="1"/>
-            <a:r>
-              <a:rPr lang="en-US" dirty="0" err="1" smtClean="0"/>
-              <a:t>Evolvability</a:t>
-            </a:r>
+          <a:bodyPr/>
+          <a:lstStyle/>
+          <a:p>
+            <a:r>
+              <a:rPr lang="en-US" dirty="0" smtClean="0"/>
+              <a:t>BPMN, BPEL</a:t>
+            </a:r>
+          </a:p>
+          <a:p>
+            <a:r>
+              <a:rPr lang="en-US" dirty="0" smtClean="0"/>
+              <a:t>Executable Documentation?</a:t>
+            </a:r>
+          </a:p>
+          <a:p>
+            <a:r>
+              <a:rPr lang="en-US" dirty="0" smtClean="0"/>
+              <a:t>Visibility and Monitoring</a:t>
+            </a:r>
+          </a:p>
+          <a:p>
+            <a:pPr marL="0" indent="0">
+              <a:buNone/>
+            </a:pPr>
             <a:endParaRPr lang="en-US" dirty="0" smtClean="0"/>
-          </a:p>
-          <a:p>
-            <a:r>
-              <a:rPr lang="en-US" dirty="0" smtClean="0"/>
-              <a:t>Where to draw the boundaries?</a:t>
-            </a:r>
-          </a:p>
-          <a:p>
-            <a:pPr lvl="1"/>
-            <a:r>
-              <a:rPr lang="en-US" dirty="0" smtClean="0"/>
-              <a:t>Between services</a:t>
-            </a:r>
-          </a:p>
-          <a:p>
-            <a:pPr lvl="1"/>
-            <a:r>
-              <a:rPr lang="en-US" dirty="0" smtClean="0"/>
-              <a:t>Between ESB and BPM</a:t>
-            </a:r>
-          </a:p>
-          <a:p>
-            <a:pPr lvl="1"/>
-            <a:r>
-              <a:rPr lang="en-US" dirty="0" smtClean="0"/>
-              <a:t>Between organizations</a:t>
-            </a:r>
-          </a:p>
-          <a:p>
-            <a:r>
-              <a:rPr lang="en-US" dirty="0" smtClean="0"/>
-              <a:t>Are your layers right?</a:t>
-            </a:r>
           </a:p>
         </p:txBody>
       </p:sp>
     </p:spTree>
     <p:extLst>
       <p:ext uri="{BB962C8B-B14F-4D97-AF65-F5344CB8AC3E}">
-        <p14:creationId xmlns:p14="http://schemas.microsoft.com/office/powerpoint/2010/main" val="3435094655"/>
+        <p14:creationId xmlns:p14="http://schemas.microsoft.com/office/powerpoint/2010/main" val="2763581670"/>
       </p:ext>
     </p:extLst>
   </p:cSld>
@@ -4428,7 +4396,7 @@
           <a:p>
             <a:r>
               <a:rPr lang="en-US" dirty="0" smtClean="0"/>
-              <a:t>Organizational issues</a:t>
+              <a:t>Design Considerations</a:t>
             </a:r>
             <a:endParaRPr lang="en-US" dirty="0"/>
           </a:p>
@@ -4446,44 +4414,83 @@
         </p:nvSpPr>
         <p:spPr/>
         <p:txBody>
-          <a:bodyPr/>
-          <a:lstStyle/>
-          <a:p>
-            <a:r>
-              <a:rPr lang="en-US" dirty="0" smtClean="0"/>
-              <a:t>Funding models</a:t>
-            </a:r>
-          </a:p>
-          <a:p>
-            <a:r>
-              <a:rPr lang="en-US" dirty="0" smtClean="0"/>
-              <a:t>Fiefdoms</a:t>
-            </a:r>
-          </a:p>
-          <a:p>
-            <a:r>
-              <a:rPr lang="en-US" dirty="0" smtClean="0"/>
-              <a:t>Ecosystems / Value Webs</a:t>
-            </a:r>
-          </a:p>
-          <a:p>
-            <a:r>
-              <a:rPr lang="en-US" dirty="0" smtClean="0"/>
-              <a:t>Shadow IT / Cloud </a:t>
-            </a:r>
-          </a:p>
-          <a:p>
-            <a:pPr marL="0" indent="0">
-              <a:buNone/>
-            </a:pPr>
-            <a:endParaRPr lang="en-US" dirty="0"/>
+          <a:bodyPr>
+            <a:normAutofit fontScale="85000" lnSpcReduction="10000"/>
+          </a:bodyPr>
+          <a:lstStyle/>
+          <a:p>
+            <a:r>
+              <a:rPr lang="en-US" dirty="0" smtClean="0"/>
+              <a:t>Granularity of Services</a:t>
+            </a:r>
+          </a:p>
+          <a:p>
+            <a:r>
+              <a:rPr lang="en-US" dirty="0" smtClean="0"/>
+              <a:t>Ensuring that SOA is being used for a good reason:</a:t>
+            </a:r>
+          </a:p>
+          <a:p>
+            <a:pPr lvl="1"/>
+            <a:r>
+              <a:rPr lang="en-US" dirty="0" smtClean="0"/>
+              <a:t>Scale</a:t>
+            </a:r>
+          </a:p>
+          <a:p>
+            <a:pPr lvl="1"/>
+            <a:r>
+              <a:rPr lang="en-US" dirty="0" smtClean="0"/>
+              <a:t>Organizational boundaries</a:t>
+            </a:r>
+          </a:p>
+          <a:p>
+            <a:pPr lvl="1"/>
+            <a:r>
+              <a:rPr lang="en-US" dirty="0" err="1" smtClean="0"/>
+              <a:t>Evolvability</a:t>
+            </a:r>
+            <a:endParaRPr lang="en-US" dirty="0" smtClean="0"/>
+          </a:p>
+          <a:p>
+            <a:r>
+              <a:rPr lang="en-US" dirty="0" smtClean="0"/>
+              <a:t>Where to draw the boundaries?</a:t>
+            </a:r>
+          </a:p>
+          <a:p>
+            <a:pPr lvl="1"/>
+            <a:r>
+              <a:rPr lang="en-US" dirty="0" smtClean="0"/>
+              <a:t>Between services</a:t>
+            </a:r>
+          </a:p>
+          <a:p>
+            <a:pPr lvl="1"/>
+            <a:r>
+              <a:rPr lang="en-US" dirty="0" smtClean="0"/>
+              <a:t>Between ESB and BPM</a:t>
+            </a:r>
+          </a:p>
+          <a:p>
+            <a:pPr lvl="1"/>
+            <a:r>
+              <a:rPr lang="en-US" dirty="0" smtClean="0"/>
+              <a:t>Between organizations</a:t>
+            </a:r>
+          </a:p>
+          <a:p>
+            <a:r>
+              <a:rPr lang="en-US" dirty="0" smtClean="0"/>
+              <a:t>Are your layers right?</a:t>
+            </a:r>
           </a:p>
         </p:txBody>
       </p:sp>
     </p:spTree>
     <p:extLst>
       <p:ext uri="{BB962C8B-B14F-4D97-AF65-F5344CB8AC3E}">
-        <p14:creationId xmlns:p14="http://schemas.microsoft.com/office/powerpoint/2010/main" val="3746557742"/>
+        <p14:creationId xmlns:p14="http://schemas.microsoft.com/office/powerpoint/2010/main" val="3435094655"/>
       </p:ext>
     </p:extLst>
   </p:cSld>
@@ -4527,7 +4534,7 @@
           <a:p>
             <a:r>
               <a:rPr lang="en-US" dirty="0" smtClean="0"/>
-              <a:t>SOA and Cloud</a:t>
+              <a:t>Organizational issues</a:t>
             </a:r>
             <a:endParaRPr lang="en-US" dirty="0"/>
           </a:p>
@@ -4535,7 +4542,7 @@
       </p:sp>
       <p:sp>
         <p:nvSpPr>
-          <p:cNvPr id="5" name="Content Placeholder 4"/>
+          <p:cNvPr id="3" name="Content Placeholder 2"/>
           <p:cNvSpPr>
             <a:spLocks noGrp="1"/>
           </p:cNvSpPr>
@@ -4550,17 +4557,31 @@
           <a:p>
             <a:r>
               <a:rPr lang="en-US" dirty="0" smtClean="0"/>
-              <a:t>SOA is loose-coupling between applications and applications</a:t>
-            </a:r>
-          </a:p>
-          <a:p>
-            <a:endParaRPr lang="en-US" dirty="0"/>
-          </a:p>
-          <a:p>
-            <a:r>
-              <a:rPr lang="en-US" dirty="0" smtClean="0"/>
-              <a:t>Cloud is loose-coupling between applications and infrastructure</a:t>
-            </a:r>
+              <a:t>Funding models</a:t>
+            </a:r>
+          </a:p>
+          <a:p>
+            <a:r>
+              <a:rPr lang="en-US" dirty="0" smtClean="0"/>
+              <a:t>Fiefdoms</a:t>
+            </a:r>
+          </a:p>
+          <a:p>
+            <a:r>
+              <a:rPr lang="en-US" dirty="0" smtClean="0"/>
+              <a:t>Ecosystems / Value Webs</a:t>
+            </a:r>
+          </a:p>
+          <a:p>
+            <a:r>
+              <a:rPr lang="en-US" dirty="0" smtClean="0"/>
+              <a:t>Shadow IT / Cloud </a:t>
+            </a:r>
+          </a:p>
+          <a:p>
+            <a:pPr marL="0" indent="0">
+              <a:buNone/>
+            </a:pPr>
             <a:endParaRPr lang="en-US" dirty="0"/>
           </a:p>
         </p:txBody>
@@ -4568,7 +4589,7 @@
     </p:spTree>
     <p:extLst>
       <p:ext uri="{BB962C8B-B14F-4D97-AF65-F5344CB8AC3E}">
-        <p14:creationId xmlns:p14="http://schemas.microsoft.com/office/powerpoint/2010/main" val="3761171259"/>
+        <p14:creationId xmlns:p14="http://schemas.microsoft.com/office/powerpoint/2010/main" val="3746557742"/>
       </p:ext>
     </p:extLst>
   </p:cSld>
@@ -4595,6 +4616,145 @@
           <a:chExt cx="0" cy="0"/>
         </a:xfrm>
       </p:grpSpPr>
+      <p:pic>
+        <p:nvPicPr>
+          <p:cNvPr id="5" name="Picture 4"/>
+          <p:cNvPicPr>
+            <a:picLocks noChangeAspect="1"/>
+          </p:cNvPicPr>
+          <p:nvPr/>
+        </p:nvPicPr>
+        <p:blipFill>
+          <a:blip r:embed="rId2"/>
+          <a:stretch>
+            <a:fillRect/>
+          </a:stretch>
+        </p:blipFill>
+        <p:spPr>
+          <a:xfrm>
+            <a:off x="2146300" y="0"/>
+            <a:ext cx="4840941" cy="6858000"/>
+          </a:xfrm>
+          <a:prstGeom prst="rect">
+            <a:avLst/>
+          </a:prstGeom>
+        </p:spPr>
+      </p:pic>
+    </p:spTree>
+    <p:extLst>
+      <p:ext uri="{BB962C8B-B14F-4D97-AF65-F5344CB8AC3E}">
+        <p14:creationId xmlns:p14="http://schemas.microsoft.com/office/powerpoint/2010/main" val="3951718060"/>
+      </p:ext>
+    </p:extLst>
+  </p:cSld>
+  <p:clrMapOvr>
+    <a:masterClrMapping/>
+  </p:clrMapOvr>
+</p:sld>
+</file>
+
+<file path=ppt/slides/slide17.xml><?xml version="1.0" encoding="utf-8"?>
+<p:sld xmlns:a="http://schemas.openxmlformats.org/drawingml/2006/main" xmlns:r="http://schemas.openxmlformats.org/officeDocument/2006/relationships" xmlns:p="http://schemas.openxmlformats.org/presentationml/2006/main">
+  <p:cSld>
+    <p:spTree>
+      <p:nvGrpSpPr>
+        <p:cNvPr id="1" name=""/>
+        <p:cNvGrpSpPr/>
+        <p:nvPr/>
+      </p:nvGrpSpPr>
+      <p:grpSpPr>
+        <a:xfrm>
+          <a:off x="0" y="0"/>
+          <a:ext cx="0" cy="0"/>
+          <a:chOff x="0" y="0"/>
+          <a:chExt cx="0" cy="0"/>
+        </a:xfrm>
+      </p:grpSpPr>
+      <p:sp>
+        <p:nvSpPr>
+          <p:cNvPr id="2" name="Title 1"/>
+          <p:cNvSpPr>
+            <a:spLocks noGrp="1"/>
+          </p:cNvSpPr>
+          <p:nvPr>
+            <p:ph type="title"/>
+          </p:nvPr>
+        </p:nvSpPr>
+        <p:spPr/>
+        <p:txBody>
+          <a:bodyPr/>
+          <a:lstStyle/>
+          <a:p>
+            <a:r>
+              <a:rPr lang="en-US" dirty="0" smtClean="0"/>
+              <a:t>SOA and Cloud</a:t>
+            </a:r>
+            <a:endParaRPr lang="en-US" dirty="0"/>
+          </a:p>
+        </p:txBody>
+      </p:sp>
+      <p:sp>
+        <p:nvSpPr>
+          <p:cNvPr id="5" name="Content Placeholder 4"/>
+          <p:cNvSpPr>
+            <a:spLocks noGrp="1"/>
+          </p:cNvSpPr>
+          <p:nvPr>
+            <p:ph idx="1"/>
+          </p:nvPr>
+        </p:nvSpPr>
+        <p:spPr/>
+        <p:txBody>
+          <a:bodyPr/>
+          <a:lstStyle/>
+          <a:p>
+            <a:r>
+              <a:rPr lang="en-US" dirty="0" smtClean="0"/>
+              <a:t>SOA is loose-coupling between applications and applications</a:t>
+            </a:r>
+          </a:p>
+          <a:p>
+            <a:endParaRPr lang="en-US" dirty="0"/>
+          </a:p>
+          <a:p>
+            <a:r>
+              <a:rPr lang="en-US" dirty="0" smtClean="0"/>
+              <a:t>Cloud is loose-coupling between applications and infrastructure</a:t>
+            </a:r>
+            <a:endParaRPr lang="en-US" dirty="0"/>
+          </a:p>
+        </p:txBody>
+      </p:sp>
+    </p:spTree>
+    <p:extLst>
+      <p:ext uri="{BB962C8B-B14F-4D97-AF65-F5344CB8AC3E}">
+        <p14:creationId xmlns:p14="http://schemas.microsoft.com/office/powerpoint/2010/main" val="3761171259"/>
+      </p:ext>
+    </p:extLst>
+  </p:cSld>
+  <p:clrMapOvr>
+    <a:masterClrMapping/>
+  </p:clrMapOvr>
+</p:sld>
+</file>
+
+<file path=ppt/slides/slide18.xml><?xml version="1.0" encoding="utf-8"?>
+<p:sld xmlns:a="http://schemas.openxmlformats.org/drawingml/2006/main" xmlns:r="http://schemas.openxmlformats.org/officeDocument/2006/relationships" xmlns:p="http://schemas.openxmlformats.org/presentationml/2006/main">
+  <p:cSld>
+    <p:spTree>
+      <p:nvGrpSpPr>
+        <p:cNvPr id="1" name=""/>
+        <p:cNvGrpSpPr/>
+        <p:nvPr/>
+      </p:nvGrpSpPr>
+      <p:grpSpPr>
+        <a:xfrm>
+          <a:off x="0" y="0"/>
+          <a:ext cx="0" cy="0"/>
+          <a:chOff x="0" y="0"/>
+          <a:chExt cx="0" cy="0"/>
+        </a:xfrm>
+      </p:grpSpPr>
       <p:sp>
         <p:nvSpPr>
           <p:cNvPr id="2" name="Title 1"/>
@@ -4631,7 +4791,7 @@
 </p:sld>
 </file>
 
-<file path=ppt/slides/slide17.xml><?xml version="1.0" encoding="utf-8"?>
+<file path=ppt/slides/slide19.xml><?xml version="1.0" encoding="utf-8"?>
 <p:sld xmlns:a="http://schemas.openxmlformats.org/drawingml/2006/main" xmlns:r="http://schemas.openxmlformats.org/officeDocument/2006/relationships" xmlns:p="http://schemas.openxmlformats.org/presentationml/2006/main">
   <p:cSld>
     <p:spTree>
@@ -5253,74 +5413,34 @@
           <a:chExt cx="0" cy="0"/>
         </a:xfrm>
       </p:grpSpPr>
-      <p:sp>
-        <p:nvSpPr>
-          <p:cNvPr id="2" name="Title 1"/>
-          <p:cNvSpPr>
-            <a:spLocks noGrp="1"/>
-          </p:cNvSpPr>
-          <p:nvPr>
-            <p:ph type="title"/>
-          </p:nvPr>
-        </p:nvSpPr>
-        <p:spPr/>
-        <p:txBody>
-          <a:bodyPr/>
-          <a:lstStyle/>
-          <a:p>
-            <a:r>
-              <a:rPr lang="en-US" dirty="0" smtClean="0"/>
-              <a:t>Design Governance</a:t>
-            </a:r>
-            <a:endParaRPr lang="en-US" dirty="0"/>
-          </a:p>
-        </p:txBody>
-      </p:sp>
-      <p:sp>
-        <p:nvSpPr>
-          <p:cNvPr id="3" name="Content Placeholder 2"/>
-          <p:cNvSpPr>
-            <a:spLocks noGrp="1"/>
-          </p:cNvSpPr>
-          <p:nvPr>
-            <p:ph idx="1"/>
-          </p:nvPr>
-        </p:nvSpPr>
-        <p:spPr/>
-        <p:txBody>
-          <a:bodyPr/>
-          <a:lstStyle/>
-          <a:p>
-            <a:r>
-              <a:rPr lang="en-US" dirty="0" smtClean="0"/>
-              <a:t>Interfacing SOA into the build/test/production</a:t>
-            </a:r>
-          </a:p>
-          <a:p>
-            <a:r>
-              <a:rPr lang="en-US" dirty="0" smtClean="0"/>
-              <a:t>Encouraging Service Re-Use</a:t>
-            </a:r>
-          </a:p>
-          <a:p>
-            <a:r>
-              <a:rPr lang="en-US" dirty="0" smtClean="0"/>
-              <a:t>Lifecycle and Dependency Management</a:t>
-            </a:r>
-          </a:p>
-          <a:p>
-            <a:r>
-              <a:rPr lang="en-US" dirty="0" smtClean="0"/>
-              <a:t>Notification</a:t>
-            </a:r>
-            <a:endParaRPr lang="en-US" dirty="0"/>
-          </a:p>
-        </p:txBody>
-      </p:sp>
+      <p:pic>
+        <p:nvPicPr>
+          <p:cNvPr id="4" name="Picture 3"/>
+          <p:cNvPicPr>
+            <a:picLocks noChangeAspect="1"/>
+          </p:cNvPicPr>
+          <p:nvPr/>
+        </p:nvPicPr>
+        <p:blipFill>
+          <a:blip r:embed="rId2"/>
+          <a:stretch>
+            <a:fillRect/>
+          </a:stretch>
+        </p:blipFill>
+        <p:spPr>
+          <a:xfrm>
+            <a:off x="2146300" y="0"/>
+            <a:ext cx="4846346" cy="6858000"/>
+          </a:xfrm>
+          <a:prstGeom prst="rect">
+            <a:avLst/>
+          </a:prstGeom>
+        </p:spPr>
+      </p:pic>
     </p:spTree>
     <p:extLst>
       <p:ext uri="{BB962C8B-B14F-4D97-AF65-F5344CB8AC3E}">
-        <p14:creationId xmlns:p14="http://schemas.microsoft.com/office/powerpoint/2010/main" val="1299873273"/>
+        <p14:creationId xmlns:p14="http://schemas.microsoft.com/office/powerpoint/2010/main" val="2063597664"/>
       </p:ext>
     </p:extLst>
   </p:cSld>
@@ -5364,7 +5484,7 @@
           <a:p>
             <a:r>
               <a:rPr lang="en-US" dirty="0" smtClean="0"/>
-              <a:t>Runtime Governance</a:t>
+              <a:t>Design Governance</a:t>
             </a:r>
             <a:endParaRPr lang="en-US" dirty="0"/>
           </a:p>
@@ -5387,25 +5507,26 @@
           <a:p>
             <a:r>
               <a:rPr lang="en-US" dirty="0" smtClean="0"/>
-              <a:t>Monitoring</a:t>
-            </a:r>
-          </a:p>
-          <a:p>
-            <a:r>
-              <a:rPr lang="en-US" dirty="0" smtClean="0"/>
-              <a:t>SLA management</a:t>
-            </a:r>
-          </a:p>
-          <a:p>
-            <a:r>
-              <a:rPr lang="en-US" dirty="0" smtClean="0"/>
-              <a:t>Correlation of activities into flows</a:t>
-            </a:r>
-          </a:p>
-          <a:p>
-            <a:pPr marL="0" indent="0">
-              <a:buNone/>
-            </a:pPr>
+              <a:t>Interfacing SOA into the build/test/production</a:t>
+            </a:r>
+          </a:p>
+          <a:p>
+            <a:r>
+              <a:rPr lang="en-US" dirty="0" smtClean="0"/>
+              <a:t>Encouraging Service Re-Use</a:t>
+            </a:r>
+          </a:p>
+          <a:p>
+            <a:r>
+              <a:rPr lang="en-US" dirty="0" smtClean="0"/>
+              <a:t>Lifecycle and Dependency Management</a:t>
+            </a:r>
+          </a:p>
+          <a:p>
+            <a:r>
+              <a:rPr lang="en-US" dirty="0" smtClean="0"/>
+              <a:t>Notification</a:t>
+            </a:r>
             <a:endParaRPr lang="en-US" dirty="0"/>
           </a:p>
         </p:txBody>
@@ -5413,7 +5534,7 @@
     </p:spTree>
     <p:extLst>
       <p:ext uri="{BB962C8B-B14F-4D97-AF65-F5344CB8AC3E}">
-        <p14:creationId xmlns:p14="http://schemas.microsoft.com/office/powerpoint/2010/main" val="4187341838"/>
+        <p14:creationId xmlns:p14="http://schemas.microsoft.com/office/powerpoint/2010/main" val="1299873273"/>
       </p:ext>
     </p:extLst>
   </p:cSld>

--- a/presentations/source/15-Conclusions.pptx
+++ b/presentations/source/15-Conclusions.pptx
@@ -215,7 +215,7 @@
             <a:fld id="{7307762F-A706-E543-A832-3C298AA3103F}" type="datetimeFigureOut">
               <a:rPr lang="en-US" smtClean="0"/>
               <a:pPr/>
-              <a:t>11/27/13</a:t>
+              <a:t>11/21/14</a:t>
             </a:fld>
             <a:endParaRPr lang="en-US" dirty="0"/>
           </a:p>
@@ -782,7 +782,7 @@
           <a:p>
             <a:fld id="{875CF0EB-321F-0749-B37A-89BBA859503C}" type="datetimeFigureOut">
               <a:rPr lang="en-US" smtClean="0"/>
-              <a:t>11/27/13</a:t>
+              <a:t>11/21/14</a:t>
             </a:fld>
             <a:endParaRPr lang="en-US"/>
           </a:p>
@@ -986,7 +986,7 @@
           <a:p>
             <a:fld id="{875CF0EB-321F-0749-B37A-89BBA859503C}" type="datetimeFigureOut">
               <a:rPr lang="en-US" smtClean="0"/>
-              <a:t>11/27/13</a:t>
+              <a:t>11/21/14</a:t>
             </a:fld>
             <a:endParaRPr lang="en-US"/>
           </a:p>
@@ -1180,7 +1180,7 @@
           <a:p>
             <a:fld id="{875CF0EB-321F-0749-B37A-89BBA859503C}" type="datetimeFigureOut">
               <a:rPr lang="en-US" smtClean="0"/>
-              <a:t>11/27/13</a:t>
+              <a:t>11/21/14</a:t>
             </a:fld>
             <a:endParaRPr lang="en-US"/>
           </a:p>
@@ -1450,7 +1450,7 @@
           <a:p>
             <a:fld id="{875CF0EB-321F-0749-B37A-89BBA859503C}" type="datetimeFigureOut">
               <a:rPr lang="en-US" smtClean="0"/>
-              <a:t>11/27/13</a:t>
+              <a:t>11/21/14</a:t>
             </a:fld>
             <a:endParaRPr lang="en-US"/>
           </a:p>
@@ -1762,7 +1762,7 @@
           <a:p>
             <a:fld id="{875CF0EB-321F-0749-B37A-89BBA859503C}" type="datetimeFigureOut">
               <a:rPr lang="en-US" smtClean="0"/>
-              <a:t>11/27/13</a:t>
+              <a:t>11/21/14</a:t>
             </a:fld>
             <a:endParaRPr lang="en-US"/>
           </a:p>
@@ -2208,7 +2208,7 @@
           <a:p>
             <a:fld id="{875CF0EB-321F-0749-B37A-89BBA859503C}" type="datetimeFigureOut">
               <a:rPr lang="en-US" smtClean="0"/>
-              <a:t>11/27/13</a:t>
+              <a:t>11/21/14</a:t>
             </a:fld>
             <a:endParaRPr lang="en-US"/>
           </a:p>
@@ -2350,7 +2350,7 @@
           <a:p>
             <a:fld id="{875CF0EB-321F-0749-B37A-89BBA859503C}" type="datetimeFigureOut">
               <a:rPr lang="en-US" smtClean="0"/>
-              <a:t>11/27/13</a:t>
+              <a:t>11/21/14</a:t>
             </a:fld>
             <a:endParaRPr lang="en-US"/>
           </a:p>
@@ -2469,7 +2469,7 @@
           <a:p>
             <a:fld id="{875CF0EB-321F-0749-B37A-89BBA859503C}" type="datetimeFigureOut">
               <a:rPr lang="en-US" smtClean="0"/>
-              <a:t>11/27/13</a:t>
+              <a:t>11/21/14</a:t>
             </a:fld>
             <a:endParaRPr lang="en-US"/>
           </a:p>
@@ -2770,7 +2770,7 @@
           <a:p>
             <a:fld id="{875CF0EB-321F-0749-B37A-89BBA859503C}" type="datetimeFigureOut">
               <a:rPr lang="en-US" smtClean="0"/>
-              <a:t>11/27/13</a:t>
+              <a:t>11/21/14</a:t>
             </a:fld>
             <a:endParaRPr lang="en-US"/>
           </a:p>
@@ -3047,7 +3047,7 @@
           <a:p>
             <a:fld id="{875CF0EB-321F-0749-B37A-89BBA859503C}" type="datetimeFigureOut">
               <a:rPr lang="en-US" smtClean="0"/>
-              <a:t>11/27/13</a:t>
+              <a:t>11/21/14</a:t>
             </a:fld>
             <a:endParaRPr lang="en-US"/>
           </a:p>
@@ -3900,7 +3900,7 @@
                 <a:ea typeface="ヒラギノ角ゴ ProN W3" charset="0"/>
                 <a:cs typeface="ヒラギノ角ゴ ProN W3" charset="0"/>
               </a:rPr>
-              <a:t>2013</a:t>
+              <a:t>2014</a:t>
             </a:r>
             <a:endParaRPr lang="en-US">
               <a:ea typeface="ヒラギノ角ゴ ProN W3" charset="0"/>
@@ -4818,7 +4818,12 @@
             <p:ph type="ctrTitle"/>
           </p:nvPr>
         </p:nvSpPr>
-        <p:spPr/>
+        <p:spPr>
+          <a:xfrm>
+            <a:off x="685800" y="276225"/>
+            <a:ext cx="7772400" cy="1470025"/>
+          </a:xfrm>
+        </p:spPr>
         <p:txBody>
           <a:bodyPr/>
           <a:lstStyle/>
@@ -4897,6 +4902,30 @@
           </a:p>
         </p:txBody>
       </p:sp>
+      <p:pic>
+        <p:nvPicPr>
+          <p:cNvPr id="2" name="Picture 1"/>
+          <p:cNvPicPr>
+            <a:picLocks noChangeAspect="1"/>
+          </p:cNvPicPr>
+          <p:nvPr/>
+        </p:nvPicPr>
+        <p:blipFill>
+          <a:blip r:embed="rId4"/>
+          <a:stretch>
+            <a:fillRect/>
+          </a:stretch>
+        </p:blipFill>
+        <p:spPr>
+          <a:xfrm>
+            <a:off x="3454400" y="1422400"/>
+            <a:ext cx="2235200" cy="2235200"/>
+          </a:xfrm>
+          <a:prstGeom prst="rect">
+            <a:avLst/>
+          </a:prstGeom>
+        </p:spPr>
+      </p:pic>
     </p:spTree>
     <p:extLst>
       <p:ext uri="{BB962C8B-B14F-4D97-AF65-F5344CB8AC3E}">

--- a/presentations/source/15-Conclusions.pptx
+++ b/presentations/source/15-Conclusions.pptx
@@ -215,7 +215,7 @@
             <a:fld id="{7307762F-A706-E543-A832-3C298AA3103F}" type="datetimeFigureOut">
               <a:rPr lang="en-US" smtClean="0"/>
               <a:pPr/>
-              <a:t>11/21/14</a:t>
+              <a:t>10/09/15</a:t>
             </a:fld>
             <a:endParaRPr lang="en-US" dirty="0"/>
           </a:p>
@@ -782,7 +782,7 @@
           <a:p>
             <a:fld id="{875CF0EB-321F-0749-B37A-89BBA859503C}" type="datetimeFigureOut">
               <a:rPr lang="en-US" smtClean="0"/>
-              <a:t>11/21/14</a:t>
+              <a:t>10/09/15</a:t>
             </a:fld>
             <a:endParaRPr lang="en-US"/>
           </a:p>
@@ -986,7 +986,7 @@
           <a:p>
             <a:fld id="{875CF0EB-321F-0749-B37A-89BBA859503C}" type="datetimeFigureOut">
               <a:rPr lang="en-US" smtClean="0"/>
-              <a:t>11/21/14</a:t>
+              <a:t>10/09/15</a:t>
             </a:fld>
             <a:endParaRPr lang="en-US"/>
           </a:p>
@@ -1180,7 +1180,7 @@
           <a:p>
             <a:fld id="{875CF0EB-321F-0749-B37A-89BBA859503C}" type="datetimeFigureOut">
               <a:rPr lang="en-US" smtClean="0"/>
-              <a:t>11/21/14</a:t>
+              <a:t>10/09/15</a:t>
             </a:fld>
             <a:endParaRPr lang="en-US"/>
           </a:p>
@@ -1450,7 +1450,7 @@
           <a:p>
             <a:fld id="{875CF0EB-321F-0749-B37A-89BBA859503C}" type="datetimeFigureOut">
               <a:rPr lang="en-US" smtClean="0"/>
-              <a:t>11/21/14</a:t>
+              <a:t>10/09/15</a:t>
             </a:fld>
             <a:endParaRPr lang="en-US"/>
           </a:p>
@@ -1762,7 +1762,7 @@
           <a:p>
             <a:fld id="{875CF0EB-321F-0749-B37A-89BBA859503C}" type="datetimeFigureOut">
               <a:rPr lang="en-US" smtClean="0"/>
-              <a:t>11/21/14</a:t>
+              <a:t>10/09/15</a:t>
             </a:fld>
             <a:endParaRPr lang="en-US"/>
           </a:p>
@@ -2208,7 +2208,7 @@
           <a:p>
             <a:fld id="{875CF0EB-321F-0749-B37A-89BBA859503C}" type="datetimeFigureOut">
               <a:rPr lang="en-US" smtClean="0"/>
-              <a:t>11/21/14</a:t>
+              <a:t>10/09/15</a:t>
             </a:fld>
             <a:endParaRPr lang="en-US"/>
           </a:p>
@@ -2350,7 +2350,7 @@
           <a:p>
             <a:fld id="{875CF0EB-321F-0749-B37A-89BBA859503C}" type="datetimeFigureOut">
               <a:rPr lang="en-US" smtClean="0"/>
-              <a:t>11/21/14</a:t>
+              <a:t>10/09/15</a:t>
             </a:fld>
             <a:endParaRPr lang="en-US"/>
           </a:p>
@@ -2469,7 +2469,7 @@
           <a:p>
             <a:fld id="{875CF0EB-321F-0749-B37A-89BBA859503C}" type="datetimeFigureOut">
               <a:rPr lang="en-US" smtClean="0"/>
-              <a:t>11/21/14</a:t>
+              <a:t>10/09/15</a:t>
             </a:fld>
             <a:endParaRPr lang="en-US"/>
           </a:p>
@@ -2770,7 +2770,7 @@
           <a:p>
             <a:fld id="{875CF0EB-321F-0749-B37A-89BBA859503C}" type="datetimeFigureOut">
               <a:rPr lang="en-US" smtClean="0"/>
-              <a:t>11/21/14</a:t>
+              <a:t>10/09/15</a:t>
             </a:fld>
             <a:endParaRPr lang="en-US"/>
           </a:p>
@@ -3047,7 +3047,7 @@
           <a:p>
             <a:fld id="{875CF0EB-321F-0749-B37A-89BBA859503C}" type="datetimeFigureOut">
               <a:rPr lang="en-US" smtClean="0"/>
-              <a:t>11/21/14</a:t>
+              <a:t>10/09/15</a:t>
             </a:fld>
             <a:endParaRPr lang="en-US"/>
           </a:p>
@@ -3889,20 +3889,13 @@
           </a:p>
           <a:p>
             <a:r>
-              <a:rPr lang="en-US">
+              <a:rPr lang="en-US" dirty="0" smtClean="0">
                 <a:ea typeface="ヒラギノ角ゴ ProN W3" charset="0"/>
                 <a:cs typeface="ヒラギノ角ゴ ProN W3" charset="0"/>
               </a:rPr>
-              <a:t>Dec </a:t>
-            </a:r>
-            <a:r>
-              <a:rPr lang="en-US" smtClean="0">
-                <a:ea typeface="ヒラギノ角ゴ ProN W3" charset="0"/>
-                <a:cs typeface="ヒラギノ角ゴ ProN W3" charset="0"/>
-              </a:rPr>
-              <a:t>2014</a:t>
-            </a:r>
-            <a:endParaRPr lang="en-US">
+              <a:t>Sep 2015</a:t>
+            </a:r>
+            <a:endParaRPr lang="en-US" dirty="0">
               <a:ea typeface="ヒラギノ角ゴ ProN W3" charset="0"/>
               <a:cs typeface="ヒラギノ角ゴ ProN W3" charset="0"/>
             </a:endParaRPr>
@@ -4001,8 +3994,19 @@
           <a:p>
             <a:r>
               <a:rPr lang="en-US" dirty="0" smtClean="0"/>
-              <a:t>Correlation of activities into flows</a:t>
-            </a:r>
+              <a:t>Correlation of activities into </a:t>
+            </a:r>
+            <a:r>
+              <a:rPr lang="en-US" dirty="0" smtClean="0"/>
+              <a:t>flows</a:t>
+            </a:r>
+          </a:p>
+          <a:p>
+            <a:r>
+              <a:rPr lang="en-US" dirty="0" smtClean="0"/>
+              <a:t>How do you maintain a running application when it depends on 10s, 100s or 1000s of remote services?</a:t>
+            </a:r>
+            <a:endParaRPr lang="en-US" dirty="0" smtClean="0"/>
           </a:p>
           <a:p>
             <a:pPr marL="0" indent="0">
@@ -4415,14 +4419,42 @@
         <p:spPr/>
         <p:txBody>
           <a:bodyPr>
-            <a:normAutofit fontScale="85000" lnSpcReduction="10000"/>
+            <a:normAutofit fontScale="77500" lnSpcReduction="20000"/>
           </a:bodyPr>
           <a:lstStyle/>
           <a:p>
             <a:r>
               <a:rPr lang="en-US" dirty="0" smtClean="0"/>
-              <a:t>Granularity of Services</a:t>
-            </a:r>
+              <a:t>Granularity of </a:t>
+            </a:r>
+            <a:r>
+              <a:rPr lang="en-US" dirty="0" smtClean="0"/>
+              <a:t>Services</a:t>
+            </a:r>
+          </a:p>
+          <a:p>
+            <a:pPr lvl="1"/>
+            <a:r>
+              <a:rPr lang="en-US" dirty="0" err="1" smtClean="0"/>
+              <a:t>Microservices</a:t>
+            </a:r>
+            <a:endParaRPr lang="en-US" dirty="0" smtClean="0"/>
+          </a:p>
+          <a:p>
+            <a:pPr lvl="1"/>
+            <a:r>
+              <a:rPr lang="en-US" dirty="0" smtClean="0"/>
+              <a:t>Monolith First? </a:t>
+            </a:r>
+            <a:r>
+              <a:rPr lang="en-US" dirty="0" err="1" smtClean="0"/>
+              <a:t>Microservice</a:t>
+            </a:r>
+            <a:r>
+              <a:rPr lang="en-US" dirty="0" smtClean="0"/>
+              <a:t> First?</a:t>
+            </a:r>
+            <a:endParaRPr lang="en-US" dirty="0" smtClean="0"/>
           </a:p>
           <a:p>
             <a:r>
